--- a/resume.pptx
+++ b/resume.pptx
@@ -3410,7 +3410,7 @@
           <a:lstStyle/>
           <a:p>
             <a:r>
-              <a:t>Developer with a passion for automated testing, clean code and excellent developer practices.</a:t>
+              <a:t>Tech lead with a foucs on quality and best practices. Has worked within a variety of domains, such as highly sensitive healthcare applications and care large-scale banking systems.</a:t>
             </a:r>
           </a:p>
         </p:txBody>
@@ -3477,7 +3477,37 @@
           <a:p>
             <a:pPr lvl="1"/>
             <a:r>
-              <a:t>Authored developer guidelines for a cleaner and more maintainable codebase</a:t>
+              <a:t>Built the initialiser which serves as the golden standard within the organisation while also being the fundation of any new application</a:t>
+            </a:r>
+          </a:p>
+          <a:p>
+            <a:pPr lvl="1"/>
+            <a:r>
+              <a:t>Created the system that allows for efficient risk analysis for our reinsurance which can potentially save the business millions in years to come</a:t>
+            </a:r>
+          </a:p>
+          <a:p>
+            <a:pPr lvl="1"/>
+            <a:r>
+              <a:t>Headed a project which aimed at geolocating risks in the UK where we ended up geolocating +90% of the UK portfolio</a:t>
+            </a:r>
+          </a:p>
+          <a:p>
+            <a:pPr lvl="1"/>
+            <a:r>
+              <a:t>Headed the adoption of various technologies and practices: OpenAPI, Unit, system and integration testing, Static analysis tools such as SonarCloud, Created the post-mortem process</a:t>
+            </a:r>
+          </a:p>
+          <a:p>
+            <a:pPr lvl="1"/>
+            <a:r>
+              <a:t>Authored developer guidelines. Created the first pipeline implementation for GitHub workflow</a:t>
+            </a:r>
+          </a:p>
+          <a:p>
+            <a:pPr lvl="1"/>
+            <a:r>
+              <a:t>Been part of most major technology decisions taken since I started</a:t>
             </a:r>
           </a:p>
         </p:txBody>
@@ -3780,22 +3810,6 @@
             </a:pPr>
             <a:r>
               <a:t>Computer Science/Aberystwyth University (08.2010-05.2014)</a:t>
-            </a:r>
-          </a:p>
-          <a:p>
-            <a:pPr lvl="1">
-              <a:defRPr sz="2000"/>
-            </a:pPr>
-            <a:r>
-              <a:t>Data/Media/Folkehøgskolen Sørlandet (08.2009-05.2010)</a:t>
-            </a:r>
-          </a:p>
-          <a:p>
-            <a:pPr lvl="1">
-              <a:defRPr sz="2000"/>
-            </a:pPr>
-            <a:r>
-              <a:t>Studiespesialiserende/Bø VGS (08.2006-05.2008)</a:t>
             </a:r>
           </a:p>
         </p:txBody>

--- a/resume.pptx
+++ b/resume.pptx
@@ -3410,7 +3410,7 @@
           <a:lstStyle/>
           <a:p>
             <a:r>
-              <a:t>Tech lead with a foucs on quality and best practices. Has worked within a variety of domains, such as highly sensitive healthcare applications and care large-scale banking systems.</a:t>
+              <a:t>Tech lead with a foucs on quality and best practices. Has worked within a variety of domains, such as highly sensitive healthcare applications and large-scale banking systems.</a:t>
             </a:r>
           </a:p>
         </p:txBody>
